--- a/NguyenNamAnh_Slide.pptx
+++ b/NguyenNamAnh_Slide.pptx
@@ -213,7 +213,7 @@
           <a:p>
             <a:fld id="{43C6D61B-B107-4326-A86B-D9A44FEC537D}" type="datetimeFigureOut">
               <a:rPr lang="en-US" smtClean="0"/>
-              <a:t>07-Jun-18</a:t>
+              <a:t>11/18/2021</a:t>
             </a:fld>
             <a:endParaRPr lang="en-US"/>
           </a:p>
@@ -525,10 +525,6 @@
           <a:bodyPr/>
           <a:lstStyle/>
           <a:p>
-            <a:pPr marL="0" indent="0">
-              <a:buFontTx/>
-              <a:buNone/>
-            </a:pPr>
             <a:endParaRPr lang="en-US" dirty="0"/>
           </a:p>
         </p:txBody>
@@ -550,7 +546,7 @@
           <a:p>
             <a:fld id="{2D4D264C-BD5C-4A87-9F8A-7CEBCE2365E8}" type="slidenum">
               <a:rPr lang="en-US" smtClean="0"/>
-              <a:t>3</a:t>
+              <a:t>1</a:t>
             </a:fld>
             <a:endParaRPr lang="en-US"/>
           </a:p>
@@ -559,7 +555,7 @@
     </p:spTree>
     <p:extLst>
       <p:ext uri="{BB962C8B-B14F-4D97-AF65-F5344CB8AC3E}">
-        <p14:creationId xmlns:p14="http://schemas.microsoft.com/office/powerpoint/2010/main" val="2021009809"/>
+        <p14:creationId xmlns:p14="http://schemas.microsoft.com/office/powerpoint/2010/main" val="3810235979"/>
       </p:ext>
     </p:extLst>
   </p:cSld>
@@ -634,7 +630,7 @@
           <a:p>
             <a:fld id="{2D4D264C-BD5C-4A87-9F8A-7CEBCE2365E8}" type="slidenum">
               <a:rPr lang="en-US" smtClean="0"/>
-              <a:t>12</a:t>
+              <a:t>11</a:t>
             </a:fld>
             <a:endParaRPr lang="en-US"/>
           </a:p>
@@ -643,7 +639,7 @@
     </p:spTree>
     <p:extLst>
       <p:ext uri="{BB962C8B-B14F-4D97-AF65-F5344CB8AC3E}">
-        <p14:creationId xmlns:p14="http://schemas.microsoft.com/office/powerpoint/2010/main" val="2335988005"/>
+        <p14:creationId xmlns:p14="http://schemas.microsoft.com/office/powerpoint/2010/main" val="433251810"/>
       </p:ext>
     </p:extLst>
   </p:cSld>
@@ -718,6 +714,90 @@
           <a:p>
             <a:fld id="{2D4D264C-BD5C-4A87-9F8A-7CEBCE2365E8}" type="slidenum">
               <a:rPr lang="en-US" smtClean="0"/>
+              <a:t>12</a:t>
+            </a:fld>
+            <a:endParaRPr lang="en-US"/>
+          </a:p>
+        </p:txBody>
+      </p:sp>
+    </p:spTree>
+    <p:extLst>
+      <p:ext uri="{BB962C8B-B14F-4D97-AF65-F5344CB8AC3E}">
+        <p14:creationId xmlns:p14="http://schemas.microsoft.com/office/powerpoint/2010/main" val="2335988005"/>
+      </p:ext>
+    </p:extLst>
+  </p:cSld>
+  <p:clrMapOvr>
+    <a:masterClrMapping/>
+  </p:clrMapOvr>
+</p:notes>
+</file>
+
+<file path=ppt/notesSlides/notesSlide12.xml><?xml version="1.0" encoding="utf-8"?>
+<p:notes xmlns:a="http://schemas.openxmlformats.org/drawingml/2006/main" xmlns:r="http://schemas.openxmlformats.org/officeDocument/2006/relationships" xmlns:p="http://schemas.openxmlformats.org/presentationml/2006/main">
+  <p:cSld>
+    <p:spTree>
+      <p:nvGrpSpPr>
+        <p:cNvPr id="1" name=""/>
+        <p:cNvGrpSpPr/>
+        <p:nvPr/>
+      </p:nvGrpSpPr>
+      <p:grpSpPr>
+        <a:xfrm>
+          <a:off x="0" y="0"/>
+          <a:ext cx="0" cy="0"/>
+          <a:chOff x="0" y="0"/>
+          <a:chExt cx="0" cy="0"/>
+        </a:xfrm>
+      </p:grpSpPr>
+      <p:sp>
+        <p:nvSpPr>
+          <p:cNvPr id="2" name="Slide Image Placeholder 1"/>
+          <p:cNvSpPr>
+            <a:spLocks noGrp="1" noRot="1" noChangeAspect="1"/>
+          </p:cNvSpPr>
+          <p:nvPr>
+            <p:ph type="sldImg"/>
+          </p:nvPr>
+        </p:nvSpPr>
+        <p:spPr/>
+      </p:sp>
+      <p:sp>
+        <p:nvSpPr>
+          <p:cNvPr id="3" name="Notes Placeholder 2"/>
+          <p:cNvSpPr>
+            <a:spLocks noGrp="1"/>
+          </p:cNvSpPr>
+          <p:nvPr>
+            <p:ph type="body" idx="1"/>
+          </p:nvPr>
+        </p:nvSpPr>
+        <p:spPr/>
+        <p:txBody>
+          <a:bodyPr/>
+          <a:lstStyle/>
+          <a:p>
+            <a:endParaRPr lang="en-US" dirty="0"/>
+          </a:p>
+        </p:txBody>
+      </p:sp>
+      <p:sp>
+        <p:nvSpPr>
+          <p:cNvPr id="4" name="Slide Number Placeholder 3"/>
+          <p:cNvSpPr>
+            <a:spLocks noGrp="1"/>
+          </p:cNvSpPr>
+          <p:nvPr>
+            <p:ph type="sldNum" sz="quarter" idx="10"/>
+          </p:nvPr>
+        </p:nvSpPr>
+        <p:spPr/>
+        <p:txBody>
+          <a:bodyPr/>
+          <a:lstStyle/>
+          <a:p>
+            <a:fld id="{2D4D264C-BD5C-4A87-9F8A-7CEBCE2365E8}" type="slidenum">
+              <a:rPr lang="en-US" smtClean="0"/>
               <a:t>13</a:t>
             </a:fld>
             <a:endParaRPr lang="en-US"/>
@@ -737,7 +817,7 @@
 </p:notes>
 </file>
 
-<file path=ppt/notesSlides/notesSlide12.xml><?xml version="1.0" encoding="utf-8"?>
+<file path=ppt/notesSlides/notesSlide13.xml><?xml version="1.0" encoding="utf-8"?>
 <p:notes xmlns:a="http://schemas.openxmlformats.org/drawingml/2006/main" xmlns:r="http://schemas.openxmlformats.org/officeDocument/2006/relationships" xmlns:p="http://schemas.openxmlformats.org/presentationml/2006/main">
   <p:cSld>
     <p:spTree>
@@ -890,7 +970,7 @@
           <a:p>
             <a:fld id="{2D4D264C-BD5C-4A87-9F8A-7CEBCE2365E8}" type="slidenum">
               <a:rPr lang="en-US" smtClean="0"/>
-              <a:t>4</a:t>
+              <a:t>3</a:t>
             </a:fld>
             <a:endParaRPr lang="en-US"/>
           </a:p>
@@ -899,7 +979,7 @@
     </p:spTree>
     <p:extLst>
       <p:ext uri="{BB962C8B-B14F-4D97-AF65-F5344CB8AC3E}">
-        <p14:creationId xmlns:p14="http://schemas.microsoft.com/office/powerpoint/2010/main" val="3979953505"/>
+        <p14:creationId xmlns:p14="http://schemas.microsoft.com/office/powerpoint/2010/main" val="2021009809"/>
       </p:ext>
     </p:extLst>
   </p:cSld>
@@ -978,7 +1058,7 @@
           <a:p>
             <a:fld id="{2D4D264C-BD5C-4A87-9F8A-7CEBCE2365E8}" type="slidenum">
               <a:rPr lang="en-US" smtClean="0"/>
-              <a:t>5</a:t>
+              <a:t>4</a:t>
             </a:fld>
             <a:endParaRPr lang="en-US"/>
           </a:p>
@@ -987,7 +1067,7 @@
     </p:spTree>
     <p:extLst>
       <p:ext uri="{BB962C8B-B14F-4D97-AF65-F5344CB8AC3E}">
-        <p14:creationId xmlns:p14="http://schemas.microsoft.com/office/powerpoint/2010/main" val="96670052"/>
+        <p14:creationId xmlns:p14="http://schemas.microsoft.com/office/powerpoint/2010/main" val="3979953505"/>
       </p:ext>
     </p:extLst>
   </p:cSld>
@@ -1066,7 +1146,7 @@
           <a:p>
             <a:fld id="{2D4D264C-BD5C-4A87-9F8A-7CEBCE2365E8}" type="slidenum">
               <a:rPr lang="en-US" smtClean="0"/>
-              <a:t>6</a:t>
+              <a:t>5</a:t>
             </a:fld>
             <a:endParaRPr lang="en-US"/>
           </a:p>
@@ -1075,7 +1155,7 @@
     </p:spTree>
     <p:extLst>
       <p:ext uri="{BB962C8B-B14F-4D97-AF65-F5344CB8AC3E}">
-        <p14:creationId xmlns:p14="http://schemas.microsoft.com/office/powerpoint/2010/main" val="3663146180"/>
+        <p14:creationId xmlns:p14="http://schemas.microsoft.com/office/powerpoint/2010/main" val="96670052"/>
       </p:ext>
     </p:extLst>
   </p:cSld>
@@ -1133,7 +1213,7 @@
               <a:buFontTx/>
               <a:buNone/>
             </a:pPr>
-            <a:endParaRPr lang="en-US" baseline="0" dirty="0" smtClean="0"/>
+            <a:endParaRPr lang="en-US" dirty="0"/>
           </a:p>
         </p:txBody>
       </p:sp>
@@ -1154,7 +1234,7 @@
           <a:p>
             <a:fld id="{2D4D264C-BD5C-4A87-9F8A-7CEBCE2365E8}" type="slidenum">
               <a:rPr lang="en-US" smtClean="0"/>
-              <a:t>7</a:t>
+              <a:t>6</a:t>
             </a:fld>
             <a:endParaRPr lang="en-US"/>
           </a:p>
@@ -1163,7 +1243,7 @@
     </p:spTree>
     <p:extLst>
       <p:ext uri="{BB962C8B-B14F-4D97-AF65-F5344CB8AC3E}">
-        <p14:creationId xmlns:p14="http://schemas.microsoft.com/office/powerpoint/2010/main" val="1481320041"/>
+        <p14:creationId xmlns:p14="http://schemas.microsoft.com/office/powerpoint/2010/main" val="3663146180"/>
       </p:ext>
     </p:extLst>
   </p:cSld>
@@ -1217,7 +1297,11 @@
           <a:bodyPr/>
           <a:lstStyle/>
           <a:p>
-            <a:endParaRPr lang="en-US" dirty="0"/>
+            <a:pPr marL="0" indent="0">
+              <a:buFontTx/>
+              <a:buNone/>
+            </a:pPr>
+            <a:endParaRPr lang="en-US" baseline="0" dirty="0" smtClean="0"/>
           </a:p>
         </p:txBody>
       </p:sp>
@@ -1238,7 +1322,7 @@
           <a:p>
             <a:fld id="{2D4D264C-BD5C-4A87-9F8A-7CEBCE2365E8}" type="slidenum">
               <a:rPr lang="en-US" smtClean="0"/>
-              <a:t>8</a:t>
+              <a:t>7</a:t>
             </a:fld>
             <a:endParaRPr lang="en-US"/>
           </a:p>
@@ -1247,7 +1331,7 @@
     </p:spTree>
     <p:extLst>
       <p:ext uri="{BB962C8B-B14F-4D97-AF65-F5344CB8AC3E}">
-        <p14:creationId xmlns:p14="http://schemas.microsoft.com/office/powerpoint/2010/main" val="1585365411"/>
+        <p14:creationId xmlns:p14="http://schemas.microsoft.com/office/powerpoint/2010/main" val="1481320041"/>
       </p:ext>
     </p:extLst>
   </p:cSld>
@@ -1322,7 +1406,7 @@
           <a:p>
             <a:fld id="{2D4D264C-BD5C-4A87-9F8A-7CEBCE2365E8}" type="slidenum">
               <a:rPr lang="en-US" smtClean="0"/>
-              <a:t>9</a:t>
+              <a:t>8</a:t>
             </a:fld>
             <a:endParaRPr lang="en-US"/>
           </a:p>
@@ -1331,7 +1415,7 @@
     </p:spTree>
     <p:extLst>
       <p:ext uri="{BB962C8B-B14F-4D97-AF65-F5344CB8AC3E}">
-        <p14:creationId xmlns:p14="http://schemas.microsoft.com/office/powerpoint/2010/main" val="4292066509"/>
+        <p14:creationId xmlns:p14="http://schemas.microsoft.com/office/powerpoint/2010/main" val="1585365411"/>
       </p:ext>
     </p:extLst>
   </p:cSld>
@@ -1385,10 +1469,6 @@
           <a:bodyPr/>
           <a:lstStyle/>
           <a:p>
-            <a:pPr marL="0" indent="0">
-              <a:buFontTx/>
-              <a:buNone/>
-            </a:pPr>
             <a:endParaRPr lang="en-US" dirty="0"/>
           </a:p>
         </p:txBody>
@@ -1410,7 +1490,7 @@
           <a:p>
             <a:fld id="{2D4D264C-BD5C-4A87-9F8A-7CEBCE2365E8}" type="slidenum">
               <a:rPr lang="en-US" smtClean="0"/>
-              <a:t>10</a:t>
+              <a:t>9</a:t>
             </a:fld>
             <a:endParaRPr lang="en-US"/>
           </a:p>
@@ -1419,7 +1499,7 @@
     </p:spTree>
     <p:extLst>
       <p:ext uri="{BB962C8B-B14F-4D97-AF65-F5344CB8AC3E}">
-        <p14:creationId xmlns:p14="http://schemas.microsoft.com/office/powerpoint/2010/main" val="2857421950"/>
+        <p14:creationId xmlns:p14="http://schemas.microsoft.com/office/powerpoint/2010/main" val="4292066509"/>
       </p:ext>
     </p:extLst>
   </p:cSld>
@@ -1473,6 +1553,10 @@
           <a:bodyPr/>
           <a:lstStyle/>
           <a:p>
+            <a:pPr marL="0" indent="0">
+              <a:buFontTx/>
+              <a:buNone/>
+            </a:pPr>
             <a:endParaRPr lang="en-US" dirty="0"/>
           </a:p>
         </p:txBody>
@@ -1494,7 +1578,7 @@
           <a:p>
             <a:fld id="{2D4D264C-BD5C-4A87-9F8A-7CEBCE2365E8}" type="slidenum">
               <a:rPr lang="en-US" smtClean="0"/>
-              <a:t>11</a:t>
+              <a:t>10</a:t>
             </a:fld>
             <a:endParaRPr lang="en-US"/>
           </a:p>
@@ -1503,7 +1587,7 @@
     </p:spTree>
     <p:extLst>
       <p:ext uri="{BB962C8B-B14F-4D97-AF65-F5344CB8AC3E}">
-        <p14:creationId xmlns:p14="http://schemas.microsoft.com/office/powerpoint/2010/main" val="433251810"/>
+        <p14:creationId xmlns:p14="http://schemas.microsoft.com/office/powerpoint/2010/main" val="2857421950"/>
       </p:ext>
     </p:extLst>
   </p:cSld>
@@ -1687,7 +1771,7 @@
             <a:fld id="{87DE6118-2437-4B30-8E3C-4D2BE6020583}" type="datetimeFigureOut">
               <a:rPr lang="en-US" smtClean="0"/>
               <a:pPr/>
-              <a:t>07-Jun-18</a:t>
+              <a:t>11/18/2021</a:t>
             </a:fld>
             <a:endParaRPr lang="en-US" dirty="0"/>
           </a:p>
@@ -2018,7 +2102,7 @@
           <a:p>
             <a:fld id="{87DE6118-2437-4B30-8E3C-4D2BE6020583}" type="datetimeFigureOut">
               <a:rPr lang="en-US" smtClean="0"/>
-              <a:t>07-Jun-18</a:t>
+              <a:t>11/18/2021</a:t>
             </a:fld>
             <a:endParaRPr lang="en-US" dirty="0"/>
           </a:p>
@@ -2198,7 +2282,7 @@
           <a:p>
             <a:fld id="{87DE6118-2437-4B30-8E3C-4D2BE6020583}" type="datetimeFigureOut">
               <a:rPr lang="en-US" smtClean="0"/>
-              <a:t>07-Jun-18</a:t>
+              <a:t>11/18/2021</a:t>
             </a:fld>
             <a:endParaRPr lang="en-US" dirty="0"/>
           </a:p>
@@ -2368,7 +2452,7 @@
           <a:p>
             <a:fld id="{87DE6118-2437-4B30-8E3C-4D2BE6020583}" type="datetimeFigureOut">
               <a:rPr lang="en-US" smtClean="0"/>
-              <a:t>07-Jun-18</a:t>
+              <a:t>11/18/2021</a:t>
             </a:fld>
             <a:endParaRPr lang="en-US" dirty="0"/>
           </a:p>
@@ -2646,7 +2730,7 @@
             <a:fld id="{87DE6118-2437-4B30-8E3C-4D2BE6020583}" type="datetimeFigureOut">
               <a:rPr lang="en-US" smtClean="0"/>
               <a:pPr/>
-              <a:t>07-Jun-18</a:t>
+              <a:t>11/18/2021</a:t>
             </a:fld>
             <a:endParaRPr lang="en-US" dirty="0"/>
           </a:p>
@@ -3041,7 +3125,7 @@
           <a:p>
             <a:fld id="{87DE6118-2437-4B30-8E3C-4D2BE6020583}" type="datetimeFigureOut">
               <a:rPr lang="en-US" smtClean="0"/>
-              <a:t>07-Jun-18</a:t>
+              <a:t>11/18/2021</a:t>
             </a:fld>
             <a:endParaRPr lang="en-US" dirty="0"/>
           </a:p>
@@ -3518,7 +3602,7 @@
           <a:p>
             <a:fld id="{87DE6118-2437-4B30-8E3C-4D2BE6020583}" type="datetimeFigureOut">
               <a:rPr lang="en-US" smtClean="0"/>
-              <a:t>07-Jun-18</a:t>
+              <a:t>11/18/2021</a:t>
             </a:fld>
             <a:endParaRPr lang="en-US" dirty="0"/>
           </a:p>
@@ -3636,7 +3720,7 @@
           <a:p>
             <a:fld id="{87DE6118-2437-4B30-8E3C-4D2BE6020583}" type="datetimeFigureOut">
               <a:rPr lang="en-US" smtClean="0"/>
-              <a:t>07-Jun-18</a:t>
+              <a:t>11/18/2021</a:t>
             </a:fld>
             <a:endParaRPr lang="en-US" dirty="0"/>
           </a:p>
@@ -3731,7 +3815,7 @@
           <a:p>
             <a:fld id="{87DE6118-2437-4B30-8E3C-4D2BE6020583}" type="datetimeFigureOut">
               <a:rPr lang="en-US" smtClean="0"/>
-              <a:t>07-Jun-18</a:t>
+              <a:t>11/18/2021</a:t>
             </a:fld>
             <a:endParaRPr lang="en-US" dirty="0"/>
           </a:p>
@@ -4078,7 +4162,7 @@
             <a:fld id="{87DE6118-2437-4B30-8E3C-4D2BE6020583}" type="datetimeFigureOut">
               <a:rPr lang="en-US" smtClean="0"/>
               <a:pPr/>
-              <a:t>07-Jun-18</a:t>
+              <a:t>11/18/2021</a:t>
             </a:fld>
             <a:endParaRPr lang="en-US" dirty="0"/>
           </a:p>
@@ -4468,7 +4552,7 @@
             <a:fld id="{87DE6118-2437-4B30-8E3C-4D2BE6020583}" type="datetimeFigureOut">
               <a:rPr lang="en-US" smtClean="0"/>
               <a:pPr/>
-              <a:t>07-Jun-18</a:t>
+              <a:t>11/18/2021</a:t>
             </a:fld>
             <a:endParaRPr lang="en-US" dirty="0"/>
           </a:p>
@@ -4748,7 +4832,7 @@
             <a:fld id="{87DE6118-2437-4B30-8E3C-4D2BE6020583}" type="datetimeFigureOut">
               <a:rPr lang="en-US" smtClean="0"/>
               <a:pPr/>
-              <a:t>07-Jun-18</a:t>
+              <a:t>11/18/2021</a:t>
             </a:fld>
             <a:endParaRPr lang="en-US" dirty="0"/>
           </a:p>
